--- a/Slides para o Projeto Individual.pptx
+++ b/Slides para o Projeto Individual.pptx
@@ -6,9 +6,9 @@
   </p:sldMasterIdLst>
   <p:sldIdLst>
     <p:sldId id="256" r:id="rId2"/>
-    <p:sldId id="258" r:id="rId3"/>
-    <p:sldId id="259" r:id="rId4"/>
-    <p:sldId id="260" r:id="rId5"/>
+    <p:sldId id="261" r:id="rId3"/>
+    <p:sldId id="262" r:id="rId4"/>
+    <p:sldId id="265" r:id="rId5"/>
   </p:sldIdLst>
   <p:sldSz cx="12192000" cy="6858000"/>
   <p:notesSz cx="6858000" cy="9144000"/>
@@ -107,6 +107,11 @@
       </a:defRPr>
     </a:lvl9pPr>
   </p:defaultTextStyle>
+  <p:extLst>
+    <p:ext uri="{EFAFB233-063F-42B5-8137-9DF3F51BA10A}">
+      <p15:sldGuideLst xmlns:p15="http://schemas.microsoft.com/office/powerpoint/2012/main"/>
+    </p:ext>
+  </p:extLst>
 </p:presentation>
 </file>
 
@@ -257,7 +262,7 @@
           <a:p>
             <a:fld id="{A4E102EF-FCCB-4613-B5B2-EF89372FE605}" type="datetimeFigureOut">
               <a:rPr lang="pt-BR" smtClean="0"/>
-              <a:t>17/10/2020</a:t>
+              <a:t>18/11/2020</a:t>
             </a:fld>
             <a:endParaRPr lang="pt-BR"/>
           </a:p>
@@ -455,7 +460,7 @@
           <a:p>
             <a:fld id="{A4E102EF-FCCB-4613-B5B2-EF89372FE605}" type="datetimeFigureOut">
               <a:rPr lang="pt-BR" smtClean="0"/>
-              <a:t>17/10/2020</a:t>
+              <a:t>18/11/2020</a:t>
             </a:fld>
             <a:endParaRPr lang="pt-BR"/>
           </a:p>
@@ -663,7 +668,7 @@
           <a:p>
             <a:fld id="{A4E102EF-FCCB-4613-B5B2-EF89372FE605}" type="datetimeFigureOut">
               <a:rPr lang="pt-BR" smtClean="0"/>
-              <a:t>17/10/2020</a:t>
+              <a:t>18/11/2020</a:t>
             </a:fld>
             <a:endParaRPr lang="pt-BR"/>
           </a:p>
@@ -861,7 +866,7 @@
           <a:p>
             <a:fld id="{A4E102EF-FCCB-4613-B5B2-EF89372FE605}" type="datetimeFigureOut">
               <a:rPr lang="pt-BR" smtClean="0"/>
-              <a:t>17/10/2020</a:t>
+              <a:t>18/11/2020</a:t>
             </a:fld>
             <a:endParaRPr lang="pt-BR"/>
           </a:p>
@@ -1136,7 +1141,7 @@
           <a:p>
             <a:fld id="{A4E102EF-FCCB-4613-B5B2-EF89372FE605}" type="datetimeFigureOut">
               <a:rPr lang="pt-BR" smtClean="0"/>
-              <a:t>17/10/2020</a:t>
+              <a:t>18/11/2020</a:t>
             </a:fld>
             <a:endParaRPr lang="pt-BR"/>
           </a:p>
@@ -1401,7 +1406,7 @@
           <a:p>
             <a:fld id="{A4E102EF-FCCB-4613-B5B2-EF89372FE605}" type="datetimeFigureOut">
               <a:rPr lang="pt-BR" smtClean="0"/>
-              <a:t>17/10/2020</a:t>
+              <a:t>18/11/2020</a:t>
             </a:fld>
             <a:endParaRPr lang="pt-BR"/>
           </a:p>
@@ -1813,7 +1818,7 @@
           <a:p>
             <a:fld id="{A4E102EF-FCCB-4613-B5B2-EF89372FE605}" type="datetimeFigureOut">
               <a:rPr lang="pt-BR" smtClean="0"/>
-              <a:t>17/10/2020</a:t>
+              <a:t>18/11/2020</a:t>
             </a:fld>
             <a:endParaRPr lang="pt-BR"/>
           </a:p>
@@ -1954,7 +1959,7 @@
           <a:p>
             <a:fld id="{A4E102EF-FCCB-4613-B5B2-EF89372FE605}" type="datetimeFigureOut">
               <a:rPr lang="pt-BR" smtClean="0"/>
-              <a:t>17/10/2020</a:t>
+              <a:t>18/11/2020</a:t>
             </a:fld>
             <a:endParaRPr lang="pt-BR"/>
           </a:p>
@@ -2067,7 +2072,7 @@
           <a:p>
             <a:fld id="{A4E102EF-FCCB-4613-B5B2-EF89372FE605}" type="datetimeFigureOut">
               <a:rPr lang="pt-BR" smtClean="0"/>
-              <a:t>17/10/2020</a:t>
+              <a:t>18/11/2020</a:t>
             </a:fld>
             <a:endParaRPr lang="pt-BR"/>
           </a:p>
@@ -2378,7 +2383,7 @@
           <a:p>
             <a:fld id="{A4E102EF-FCCB-4613-B5B2-EF89372FE605}" type="datetimeFigureOut">
               <a:rPr lang="pt-BR" smtClean="0"/>
-              <a:t>17/10/2020</a:t>
+              <a:t>18/11/2020</a:t>
             </a:fld>
             <a:endParaRPr lang="pt-BR"/>
           </a:p>
@@ -2666,7 +2671,7 @@
           <a:p>
             <a:fld id="{A4E102EF-FCCB-4613-B5B2-EF89372FE605}" type="datetimeFigureOut">
               <a:rPr lang="pt-BR" smtClean="0"/>
-              <a:t>17/10/2020</a:t>
+              <a:t>18/11/2020</a:t>
             </a:fld>
             <a:endParaRPr lang="pt-BR"/>
           </a:p>
@@ -2907,7 +2912,7 @@
           <a:p>
             <a:fld id="{A4E102EF-FCCB-4613-B5B2-EF89372FE605}" type="datetimeFigureOut">
               <a:rPr lang="pt-BR" smtClean="0"/>
-              <a:t>17/10/2020</a:t>
+              <a:t>18/11/2020</a:t>
             </a:fld>
             <a:endParaRPr lang="pt-BR"/>
           </a:p>
@@ -3313,10 +3318,7 @@
     <p:bg>
       <p:bgPr>
         <a:solidFill>
-          <a:schemeClr val="bg1">
-            <a:tint val="95000"/>
-            <a:satMod val="170000"/>
-          </a:schemeClr>
+          <a:schemeClr val="bg1"/>
         </a:solidFill>
         <a:effectLst/>
       </p:bgPr>
@@ -3335,21 +3337,21 @@
           <a:chExt cx="0" cy="0"/>
         </a:xfrm>
       </p:grpSpPr>
-      <p:grpSp>
-        <p:nvGrpSpPr>
-          <p:cNvPr id="8" name="Group 7">
-            <a:extLst>
-              <a:ext uri="{FF2B5EF4-FFF2-40B4-BE49-F238E27FC236}">
-                <a16:creationId xmlns:a16="http://schemas.microsoft.com/office/drawing/2014/main" id="{D2C4BFA1-2075-4901-9E24-E41D1FDD51FD}"/>
+      <p:sp>
+        <p:nvSpPr>
+          <p:cNvPr id="24" name="Rectangle 17">
+            <a:extLst>
+              <a:ext uri="{FF2B5EF4-FFF2-40B4-BE49-F238E27FC236}">
+                <a16:creationId xmlns:a16="http://schemas.microsoft.com/office/drawing/2014/main" id="{5F18414D-1626-4996-AACB-23D3DE45B03B}"/>
               </a:ext>
               <a:ext uri="{C183D7F6-B498-43B3-948B-1728B52AA6E4}">
                 <adec:decorative xmlns:adec="http://schemas.microsoft.com/office/drawing/2017/decorative" val="1"/>
               </a:ext>
             </a:extLst>
           </p:cNvPr>
-          <p:cNvGrpSpPr>
-            <a:grpSpLocks noGrp="1" noUngrp="1" noRot="1" noChangeAspect="1" noMove="1" noResize="1"/>
-          </p:cNvGrpSpPr>
+          <p:cNvSpPr>
+            <a:spLocks noGrp="1" noRot="1" noChangeAspect="1" noMove="1" noResize="1" noEditPoints="1" noAdjustHandles="1" noChangeArrowheads="1" noChangeShapeType="1" noTextEdit="1"/>
+          </p:cNvSpPr>
           <p:nvPr>
             <p:extLst>
               <p:ext uri="{386F3935-93C4-4BCD-93E2-E3B085C9AB24}">
@@ -3357,172 +3359,20 @@
               </p:ext>
             </p:extLst>
           </p:nvPr>
-        </p:nvGrpSpPr>
-        <p:grpSpPr>
-          <a:xfrm>
-            <a:off x="1155481" y="498348"/>
-            <a:ext cx="9902663" cy="5861304"/>
-            <a:chOff x="1155481" y="498348"/>
-            <a:chExt cx="9902663" cy="5861304"/>
-          </a:xfrm>
-        </p:grpSpPr>
-        <p:sp>
-          <p:nvSpPr>
-            <p:cNvPr id="9" name="Oval 5">
-              <a:extLst>
-                <a:ext uri="{FF2B5EF4-FFF2-40B4-BE49-F238E27FC236}">
-                  <a16:creationId xmlns:a16="http://schemas.microsoft.com/office/drawing/2014/main" id="{985A7375-E3AF-4F5C-85AE-17E8832952CA}"/>
-                </a:ext>
-                <a:ext uri="{C183D7F6-B498-43B3-948B-1728B52AA6E4}">
-                  <adec:decorative xmlns:adec="http://schemas.microsoft.com/office/drawing/2017/decorative" val="1"/>
-                </a:ext>
-              </a:extLst>
-            </p:cNvPr>
-            <p:cNvSpPr>
-              <a:spLocks noChangeArrowheads="1"/>
-            </p:cNvSpPr>
-            <p:nvPr>
-              <p:extLst>
-                <p:ext uri="{386F3935-93C4-4BCD-93E2-E3B085C9AB24}">
-                  <p16:designElem xmlns:p16="http://schemas.microsoft.com/office/powerpoint/2015/main" val="1"/>
-                </p:ext>
-              </p:extLst>
-            </p:nvPr>
-          </p:nvSpPr>
-          <p:spPr bwMode="auto">
-            <a:xfrm>
-              <a:off x="1155481" y="498348"/>
-              <a:ext cx="5861304" cy="5861304"/>
-            </a:xfrm>
-            <a:prstGeom prst="ellipse">
-              <a:avLst/>
-            </a:prstGeom>
-            <a:solidFill>
-              <a:schemeClr val="accent1">
-                <a:alpha val="55000"/>
-              </a:schemeClr>
-            </a:solidFill>
-            <a:ln>
-              <a:noFill/>
-            </a:ln>
-          </p:spPr>
-        </p:sp>
-        <p:sp>
-          <p:nvSpPr>
-            <p:cNvPr id="10" name="Oval 9">
-              <a:extLst>
-                <a:ext uri="{FF2B5EF4-FFF2-40B4-BE49-F238E27FC236}">
-                  <a16:creationId xmlns:a16="http://schemas.microsoft.com/office/drawing/2014/main" id="{F0307F65-8304-4FA8-A841-D4D7625411BE}"/>
-                </a:ext>
-                <a:ext uri="{C183D7F6-B498-43B3-948B-1728B52AA6E4}">
-                  <adec:decorative xmlns:adec="http://schemas.microsoft.com/office/drawing/2017/decorative" val="1"/>
-                </a:ext>
-              </a:extLst>
-            </p:cNvPr>
-            <p:cNvSpPr>
-              <a:spLocks noChangeArrowheads="1"/>
-            </p:cNvSpPr>
-            <p:nvPr>
-              <p:extLst>
-                <p:ext uri="{386F3935-93C4-4BCD-93E2-E3B085C9AB24}">
-                  <p16:designElem xmlns:p16="http://schemas.microsoft.com/office/powerpoint/2015/main" val="1"/>
-                </p:ext>
-              </p:extLst>
-            </p:nvPr>
-          </p:nvSpPr>
-          <p:spPr bwMode="auto">
-            <a:xfrm>
-              <a:off x="5196840" y="498348"/>
-              <a:ext cx="5861304" cy="5861304"/>
-            </a:xfrm>
-            <a:prstGeom prst="ellipse">
-              <a:avLst/>
-            </a:prstGeom>
-            <a:solidFill>
-              <a:schemeClr val="accent1">
-                <a:alpha val="55000"/>
-              </a:schemeClr>
-            </a:solidFill>
-            <a:ln>
-              <a:noFill/>
-            </a:ln>
-          </p:spPr>
-        </p:sp>
-        <p:sp>
-          <p:nvSpPr>
-            <p:cNvPr id="11" name="Oval 5">
-              <a:extLst>
-                <a:ext uri="{FF2B5EF4-FFF2-40B4-BE49-F238E27FC236}">
-                  <a16:creationId xmlns:a16="http://schemas.microsoft.com/office/drawing/2014/main" id="{C8B8394C-136F-4E05-A002-D93A5E79CD50}"/>
-                </a:ext>
-                <a:ext uri="{C183D7F6-B498-43B3-948B-1728B52AA6E4}">
-                  <adec:decorative xmlns:adec="http://schemas.microsoft.com/office/drawing/2017/decorative" val="1"/>
-                </a:ext>
-              </a:extLst>
-            </p:cNvPr>
-            <p:cNvSpPr>
-              <a:spLocks noChangeArrowheads="1"/>
-            </p:cNvSpPr>
-            <p:nvPr>
-              <p:extLst>
-                <p:ext uri="{386F3935-93C4-4BCD-93E2-E3B085C9AB24}">
-                  <p16:designElem xmlns:p16="http://schemas.microsoft.com/office/powerpoint/2015/main" val="1"/>
-                </p:ext>
-              </p:extLst>
-            </p:nvPr>
-          </p:nvSpPr>
-          <p:spPr bwMode="auto">
-            <a:xfrm>
-              <a:off x="3165348" y="498348"/>
-              <a:ext cx="5861304" cy="5861304"/>
-            </a:xfrm>
-            <a:prstGeom prst="ellipse">
-              <a:avLst/>
-            </a:prstGeom>
-            <a:solidFill>
-              <a:schemeClr val="accent1">
-                <a:alpha val="70000"/>
-              </a:schemeClr>
-            </a:solidFill>
-            <a:ln>
-              <a:noFill/>
-            </a:ln>
-          </p:spPr>
-        </p:sp>
-      </p:grpSp>
-      <p:sp>
-        <p:nvSpPr>
-          <p:cNvPr id="13" name="Rectangle 12">
-            <a:extLst>
-              <a:ext uri="{FF2B5EF4-FFF2-40B4-BE49-F238E27FC236}">
-                <a16:creationId xmlns:a16="http://schemas.microsoft.com/office/drawing/2014/main" id="{053FB2EE-284F-4C87-AB3D-BBF87A9FAB97}"/>
-              </a:ext>
-              <a:ext uri="{C183D7F6-B498-43B3-948B-1728B52AA6E4}">
-                <adec:decorative xmlns:adec="http://schemas.microsoft.com/office/drawing/2017/decorative" val="1"/>
-              </a:ext>
-            </a:extLst>
-          </p:cNvPr>
-          <p:cNvSpPr>
-            <a:spLocks noGrp="1" noRot="1" noChangeAspect="1" noMove="1" noResize="1" noEditPoints="1" noAdjustHandles="1" noChangeArrowheads="1" noChangeShapeType="1" noTextEdit="1"/>
-          </p:cNvSpPr>
-          <p:nvPr>
-            <p:extLst>
-              <p:ext uri="{386F3935-93C4-4BCD-93E2-E3B085C9AB24}">
-                <p16:designElem xmlns:p16="http://schemas.microsoft.com/office/powerpoint/2015/main" val="1"/>
-              </p:ext>
-            </p:extLst>
-          </p:nvPr>
         </p:nvSpPr>
         <p:spPr>
           <a:xfrm>
-            <a:off x="0" y="2514600"/>
-            <a:ext cx="12192000" cy="1828800"/>
+            <a:off x="0" y="0"/>
+            <a:ext cx="12192000" cy="6858000"/>
           </a:xfrm>
           <a:prstGeom prst="rect">
             <a:avLst/>
           </a:prstGeom>
           <a:solidFill>
-            <a:schemeClr val="tx2"/>
+            <a:schemeClr val="tx1">
+              <a:lumMod val="95000"/>
+              <a:lumOff val="5000"/>
+            </a:schemeClr>
           </a:solidFill>
           <a:ln>
             <a:noFill/>
@@ -3544,6 +3394,18 @@
             <a:schemeClr val="lt1"/>
           </a:fontRef>
         </p:style>
+        <p:txBody>
+          <a:bodyPr rtlCol="0" anchor="ctr"/>
+          <a:lstStyle/>
+          <a:p>
+            <a:pPr algn="ctr"/>
+            <a:endParaRPr lang="en-US" dirty="0">
+              <a:solidFill>
+                <a:schemeClr val="tx1"/>
+              </a:solidFill>
+            </a:endParaRPr>
+          </a:p>
+        </p:txBody>
       </p:sp>
       <p:sp>
         <p:nvSpPr>
@@ -3563,20 +3425,20 @@
         </p:nvSpPr>
         <p:spPr>
           <a:xfrm>
-            <a:off x="1524000" y="2776538"/>
-            <a:ext cx="9144000" cy="1381188"/>
+            <a:off x="126205" y="707132"/>
+            <a:ext cx="11939588" cy="2387600"/>
           </a:xfrm>
         </p:spPr>
         <p:txBody>
-          <a:bodyPr anchor="ctr">
+          <a:bodyPr>
             <a:normAutofit/>
           </a:bodyPr>
           <a:lstStyle/>
           <a:p>
             <a:r>
-              <a:rPr lang="pt-BR" sz="4000" b="1" dirty="0">
+              <a:rPr lang="pt-BR" sz="4800" b="1" dirty="0">
                 <a:solidFill>
-                  <a:schemeClr val="bg2"/>
+                  <a:schemeClr val="bg1"/>
                 </a:solidFill>
                 <a:latin typeface="Arial" panose="020B0604020202020204" pitchFamily="34" charset="0"/>
                 <a:cs typeface="Arial" panose="020B0604020202020204" pitchFamily="34" charset="0"/>
@@ -3604,8 +3466,8 @@
         </p:nvSpPr>
         <p:spPr>
           <a:xfrm>
-            <a:off x="1524000" y="4495800"/>
-            <a:ext cx="9144000" cy="762000"/>
+            <a:off x="126205" y="3494783"/>
+            <a:ext cx="11939588" cy="2201159"/>
           </a:xfrm>
         </p:spPr>
         <p:txBody>
@@ -3615,7 +3477,10 @@
           <a:lstStyle/>
           <a:p>
             <a:r>
-              <a:rPr lang="pt-BR" dirty="0">
+              <a:rPr lang="pt-BR" sz="2800" dirty="0">
+                <a:solidFill>
+                  <a:schemeClr val="bg1"/>
+                </a:solidFill>
                 <a:latin typeface="Arial" panose="020B0604020202020204" pitchFamily="34" charset="0"/>
                 <a:cs typeface="Arial" panose="020B0604020202020204" pitchFamily="34" charset="0"/>
               </a:rPr>
@@ -3624,6 +3489,121 @@
           </a:p>
         </p:txBody>
       </p:sp>
+      <p:sp>
+        <p:nvSpPr>
+          <p:cNvPr id="25" name="Rectangle 19">
+            <a:extLst>
+              <a:ext uri="{FF2B5EF4-FFF2-40B4-BE49-F238E27FC236}">
+                <a16:creationId xmlns:a16="http://schemas.microsoft.com/office/drawing/2014/main" id="{D84C2E9E-0B5D-4B5F-9A1F-70EBDCE39034}"/>
+              </a:ext>
+              <a:ext uri="{C183D7F6-B498-43B3-948B-1728B52AA6E4}">
+                <adec:decorative xmlns:adec="http://schemas.microsoft.com/office/drawing/2017/decorative" val="1"/>
+              </a:ext>
+            </a:extLst>
+          </p:cNvPr>
+          <p:cNvSpPr>
+            <a:spLocks noGrp="1" noRot="1" noChangeAspect="1" noMove="1" noResize="1" noEditPoints="1" noAdjustHandles="1" noChangeArrowheads="1" noChangeShapeType="1" noTextEdit="1"/>
+          </p:cNvSpPr>
+          <p:nvPr>
+            <p:extLst>
+              <p:ext uri="{386F3935-93C4-4BCD-93E2-E3B085C9AB24}">
+                <p16:designElem xmlns:p16="http://schemas.microsoft.com/office/powerpoint/2015/main" val="1"/>
+              </p:ext>
+            </p:extLst>
+          </p:nvPr>
+        </p:nvSpPr>
+        <p:spPr>
+          <a:xfrm>
+            <a:off x="126206" y="115193"/>
+            <a:ext cx="11939588" cy="6627614"/>
+          </a:xfrm>
+          <a:prstGeom prst="rect">
+            <a:avLst/>
+          </a:prstGeom>
+          <a:noFill/>
+          <a:ln w="12700">
+            <a:solidFill>
+              <a:schemeClr val="accent2"/>
+            </a:solidFill>
+          </a:ln>
+        </p:spPr>
+        <p:style>
+          <a:lnRef idx="2">
+            <a:schemeClr val="accent1">
+              <a:shade val="50000"/>
+            </a:schemeClr>
+          </a:lnRef>
+          <a:fillRef idx="1">
+            <a:schemeClr val="accent1"/>
+          </a:fillRef>
+          <a:effectRef idx="0">
+            <a:schemeClr val="accent1"/>
+          </a:effectRef>
+          <a:fontRef idx="minor">
+            <a:schemeClr val="lt1"/>
+          </a:fontRef>
+        </p:style>
+        <p:txBody>
+          <a:bodyPr rtlCol="0" anchor="ctr"/>
+          <a:lstStyle/>
+          <a:p>
+            <a:pPr algn="ctr"/>
+            <a:endParaRPr lang="en-US" dirty="0"/>
+          </a:p>
+        </p:txBody>
+      </p:sp>
+      <p:cxnSp>
+        <p:nvCxnSpPr>
+          <p:cNvPr id="26" name="Straight Connector 21">
+            <a:extLst>
+              <a:ext uri="{FF2B5EF4-FFF2-40B4-BE49-F238E27FC236}">
+                <a16:creationId xmlns:a16="http://schemas.microsoft.com/office/drawing/2014/main" id="{07A9243D-8FC3-4B36-874B-55906B03F484}"/>
+              </a:ext>
+              <a:ext uri="{C183D7F6-B498-43B3-948B-1728B52AA6E4}">
+                <adec:decorative xmlns:adec="http://schemas.microsoft.com/office/drawing/2017/decorative" val="1"/>
+              </a:ext>
+            </a:extLst>
+          </p:cNvPr>
+          <p:cNvCxnSpPr>
+            <a:cxnSpLocks noGrp="1" noRot="1" noChangeAspect="1" noMove="1" noResize="1" noEditPoints="1" noAdjustHandles="1" noChangeArrowheads="1" noChangeShapeType="1"/>
+          </p:cNvCxnSpPr>
+          <p:nvPr>
+            <p:extLst>
+              <p:ext uri="{386F3935-93C4-4BCD-93E2-E3B085C9AB24}">
+                <p16:designElem xmlns:p16="http://schemas.microsoft.com/office/powerpoint/2015/main" val="1"/>
+              </p:ext>
+            </p:extLst>
+          </p:nvPr>
+        </p:nvCxnSpPr>
+        <p:spPr>
+          <a:xfrm flipH="1">
+            <a:off x="1929284" y="3209925"/>
+            <a:ext cx="10262717" cy="0"/>
+          </a:xfrm>
+          <a:prstGeom prst="line">
+            <a:avLst/>
+          </a:prstGeom>
+          <a:ln w="12700">
+            <a:solidFill>
+              <a:schemeClr val="accent2"/>
+            </a:solidFill>
+          </a:ln>
+        </p:spPr>
+        <p:style>
+          <a:lnRef idx="1">
+            <a:schemeClr val="accent1"/>
+          </a:lnRef>
+          <a:fillRef idx="0">
+            <a:schemeClr val="accent1"/>
+          </a:fillRef>
+          <a:effectRef idx="0">
+            <a:schemeClr val="accent1"/>
+          </a:effectRef>
+          <a:fontRef idx="minor">
+            <a:schemeClr val="tx1"/>
+          </a:fontRef>
+        </p:style>
+      </p:cxnSp>
     </p:spTree>
     <p:extLst>
       <p:ext uri="{BB962C8B-B14F-4D97-AF65-F5344CB8AC3E}">
@@ -3632,7 +3612,7 @@
     </p:extLst>
   </p:cSld>
   <p:clrMapOvr>
-    <a:overrideClrMapping bg1="dk1" tx1="lt1" bg2="dk2" tx2="lt2" accent1="accent1" accent2="accent2" accent3="accent3" accent4="accent4" accent5="accent5" accent6="accent6" hlink="hlink" folHlink="folHlink"/>
+    <a:masterClrMapping/>
   </p:clrMapOvr>
 </p:sld>
 </file>
@@ -3643,10 +3623,7 @@
     <p:bg>
       <p:bgPr>
         <a:solidFill>
-          <a:schemeClr val="bg1">
-            <a:tint val="95000"/>
-            <a:satMod val="170000"/>
-          </a:schemeClr>
+          <a:schemeClr val="bg1"/>
         </a:solidFill>
         <a:effectLst/>
       </p:bgPr>
@@ -3665,21 +3642,21 @@
           <a:chExt cx="0" cy="0"/>
         </a:xfrm>
       </p:grpSpPr>
-      <p:grpSp>
-        <p:nvGrpSpPr>
-          <p:cNvPr id="8" name="Group 7">
-            <a:extLst>
-              <a:ext uri="{FF2B5EF4-FFF2-40B4-BE49-F238E27FC236}">
-                <a16:creationId xmlns:a16="http://schemas.microsoft.com/office/drawing/2014/main" id="{D2C4BFA1-2075-4901-9E24-E41D1FDD51FD}"/>
+      <p:sp useBgFill="1">
+        <p:nvSpPr>
+          <p:cNvPr id="10" name="Rectangle 9">
+            <a:extLst>
+              <a:ext uri="{FF2B5EF4-FFF2-40B4-BE49-F238E27FC236}">
+                <a16:creationId xmlns:a16="http://schemas.microsoft.com/office/drawing/2014/main" id="{0671A8AE-40A1-4631-A6B8-581AFF065482}"/>
               </a:ext>
               <a:ext uri="{C183D7F6-B498-43B3-948B-1728B52AA6E4}">
                 <adec:decorative xmlns:adec="http://schemas.microsoft.com/office/drawing/2017/decorative" val="1"/>
               </a:ext>
             </a:extLst>
           </p:cNvPr>
-          <p:cNvGrpSpPr>
-            <a:grpSpLocks noGrp="1" noUngrp="1" noRot="1" noChangeAspect="1" noMove="1" noResize="1"/>
-          </p:cNvGrpSpPr>
+          <p:cNvSpPr>
+            <a:spLocks noGrp="1" noRot="1" noChangeAspect="1" noMove="1" noResize="1" noEditPoints="1" noAdjustHandles="1" noChangeArrowheads="1" noChangeShapeType="1" noTextEdit="1"/>
+          </p:cNvSpPr>
           <p:nvPr>
             <p:extLst>
               <p:ext uri="{386F3935-93C4-4BCD-93E2-E3B085C9AB24}">
@@ -3687,145 +3664,97 @@
               </p:ext>
             </p:extLst>
           </p:nvPr>
-        </p:nvGrpSpPr>
-        <p:grpSpPr>
+        </p:nvSpPr>
+        <p:spPr>
           <a:xfrm>
-            <a:off x="1155481" y="498348"/>
-            <a:ext cx="9902663" cy="5861304"/>
-            <a:chOff x="1155481" y="498348"/>
-            <a:chExt cx="9902663" cy="5861304"/>
+            <a:off x="0" y="0"/>
+            <a:ext cx="12192000" cy="6858000"/>
           </a:xfrm>
-        </p:grpSpPr>
-        <p:sp>
-          <p:nvSpPr>
-            <p:cNvPr id="9" name="Oval 5">
-              <a:extLst>
-                <a:ext uri="{FF2B5EF4-FFF2-40B4-BE49-F238E27FC236}">
-                  <a16:creationId xmlns:a16="http://schemas.microsoft.com/office/drawing/2014/main" id="{985A7375-E3AF-4F5C-85AE-17E8832952CA}"/>
-                </a:ext>
-                <a:ext uri="{C183D7F6-B498-43B3-948B-1728B52AA6E4}">
-                  <adec:decorative xmlns:adec="http://schemas.microsoft.com/office/drawing/2017/decorative" val="1"/>
-                </a:ext>
-              </a:extLst>
-            </p:cNvPr>
-            <p:cNvSpPr>
-              <a:spLocks noChangeArrowheads="1"/>
-            </p:cNvSpPr>
-            <p:nvPr>
-              <p:extLst>
-                <p:ext uri="{386F3935-93C4-4BCD-93E2-E3B085C9AB24}">
-                  <p16:designElem xmlns:p16="http://schemas.microsoft.com/office/powerpoint/2015/main" val="1"/>
-                </p:ext>
-              </p:extLst>
-            </p:nvPr>
-          </p:nvSpPr>
-          <p:spPr bwMode="auto">
-            <a:xfrm>
-              <a:off x="1155481" y="498348"/>
-              <a:ext cx="5861304" cy="5861304"/>
-            </a:xfrm>
-            <a:prstGeom prst="ellipse">
-              <a:avLst/>
-            </a:prstGeom>
-            <a:solidFill>
-              <a:schemeClr val="accent1">
-                <a:alpha val="55000"/>
-              </a:schemeClr>
-            </a:solidFill>
-            <a:ln>
-              <a:noFill/>
-            </a:ln>
-          </p:spPr>
-        </p:sp>
-        <p:sp>
-          <p:nvSpPr>
-            <p:cNvPr id="10" name="Oval 9">
-              <a:extLst>
-                <a:ext uri="{FF2B5EF4-FFF2-40B4-BE49-F238E27FC236}">
-                  <a16:creationId xmlns:a16="http://schemas.microsoft.com/office/drawing/2014/main" id="{F0307F65-8304-4FA8-A841-D4D7625411BE}"/>
-                </a:ext>
-                <a:ext uri="{C183D7F6-B498-43B3-948B-1728B52AA6E4}">
-                  <adec:decorative xmlns:adec="http://schemas.microsoft.com/office/drawing/2017/decorative" val="1"/>
-                </a:ext>
-              </a:extLst>
-            </p:cNvPr>
-            <p:cNvSpPr>
-              <a:spLocks noChangeArrowheads="1"/>
-            </p:cNvSpPr>
-            <p:nvPr>
-              <p:extLst>
-                <p:ext uri="{386F3935-93C4-4BCD-93E2-E3B085C9AB24}">
-                  <p16:designElem xmlns:p16="http://schemas.microsoft.com/office/powerpoint/2015/main" val="1"/>
-                </p:ext>
-              </p:extLst>
-            </p:nvPr>
-          </p:nvSpPr>
-          <p:spPr bwMode="auto">
-            <a:xfrm>
-              <a:off x="5196840" y="498348"/>
-              <a:ext cx="5861304" cy="5861304"/>
-            </a:xfrm>
-            <a:prstGeom prst="ellipse">
-              <a:avLst/>
-            </a:prstGeom>
-            <a:solidFill>
-              <a:schemeClr val="accent1">
-                <a:alpha val="55000"/>
-              </a:schemeClr>
-            </a:solidFill>
-            <a:ln>
-              <a:noFill/>
-            </a:ln>
-          </p:spPr>
-        </p:sp>
-        <p:sp>
-          <p:nvSpPr>
-            <p:cNvPr id="11" name="Oval 5">
-              <a:extLst>
-                <a:ext uri="{FF2B5EF4-FFF2-40B4-BE49-F238E27FC236}">
-                  <a16:creationId xmlns:a16="http://schemas.microsoft.com/office/drawing/2014/main" id="{C8B8394C-136F-4E05-A002-D93A5E79CD50}"/>
-                </a:ext>
-                <a:ext uri="{C183D7F6-B498-43B3-948B-1728B52AA6E4}">
-                  <adec:decorative xmlns:adec="http://schemas.microsoft.com/office/drawing/2017/decorative" val="1"/>
-                </a:ext>
-              </a:extLst>
-            </p:cNvPr>
-            <p:cNvSpPr>
-              <a:spLocks noChangeArrowheads="1"/>
-            </p:cNvSpPr>
-            <p:nvPr>
-              <p:extLst>
-                <p:ext uri="{386F3935-93C4-4BCD-93E2-E3B085C9AB24}">
-                  <p16:designElem xmlns:p16="http://schemas.microsoft.com/office/powerpoint/2015/main" val="1"/>
-                </p:ext>
-              </p:extLst>
-            </p:nvPr>
-          </p:nvSpPr>
-          <p:spPr bwMode="auto">
-            <a:xfrm>
-              <a:off x="3165348" y="498348"/>
-              <a:ext cx="5861304" cy="5861304"/>
-            </a:xfrm>
-            <a:prstGeom prst="ellipse">
-              <a:avLst/>
-            </a:prstGeom>
-            <a:solidFill>
-              <a:schemeClr val="accent1">
-                <a:alpha val="70000"/>
-              </a:schemeClr>
-            </a:solidFill>
-            <a:ln>
-              <a:noFill/>
-            </a:ln>
-          </p:spPr>
-        </p:sp>
-      </p:grpSp>
-      <p:sp>
-        <p:nvSpPr>
-          <p:cNvPr id="13" name="Rectangle 12">
-            <a:extLst>
-              <a:ext uri="{FF2B5EF4-FFF2-40B4-BE49-F238E27FC236}">
-                <a16:creationId xmlns:a16="http://schemas.microsoft.com/office/drawing/2014/main" id="{053FB2EE-284F-4C87-AB3D-BBF87A9FAB97}"/>
+          <a:prstGeom prst="rect">
+            <a:avLst/>
+          </a:prstGeom>
+          <a:ln>
+            <a:noFill/>
+          </a:ln>
+        </p:spPr>
+        <p:style>
+          <a:lnRef idx="2">
+            <a:schemeClr val="accent1">
+              <a:shade val="50000"/>
+            </a:schemeClr>
+          </a:lnRef>
+          <a:fillRef idx="1">
+            <a:schemeClr val="accent1"/>
+          </a:fillRef>
+          <a:effectRef idx="0">
+            <a:schemeClr val="accent1"/>
+          </a:effectRef>
+          <a:fontRef idx="minor">
+            <a:schemeClr val="lt1"/>
+          </a:fontRef>
+        </p:style>
+        <p:txBody>
+          <a:bodyPr rtlCol="0" anchor="ctr"/>
+          <a:lstStyle/>
+          <a:p>
+            <a:pPr algn="ctr"/>
+            <a:endParaRPr lang="en-US"/>
+          </a:p>
+        </p:txBody>
+      </p:sp>
+      <p:pic>
+        <p:nvPicPr>
+          <p:cNvPr id="5" name="Picture 2" descr="Contextualização do Tema TCC: como exemplo, exemplo e significado">
+            <a:extLst>
+              <a:ext uri="{FF2B5EF4-FFF2-40B4-BE49-F238E27FC236}">
+                <a16:creationId xmlns:a16="http://schemas.microsoft.com/office/drawing/2014/main" id="{6D07E63F-A2EF-46AF-BB72-392573B694CC}"/>
+              </a:ext>
+            </a:extLst>
+          </p:cNvPr>
+          <p:cNvPicPr>
+            <a:picLocks noGrp="1" noChangeAspect="1" noChangeArrowheads="1"/>
+          </p:cNvPicPr>
+          <p:nvPr>
+            <p:ph idx="1"/>
+          </p:nvPr>
+        </p:nvPicPr>
+        <p:blipFill rotWithShape="1">
+          <a:blip r:embed="rId2">
+            <a:extLst>
+              <a:ext uri="{28A0092B-C50C-407E-A947-70E740481C1C}">
+                <a14:useLocalDpi xmlns:a14="http://schemas.microsoft.com/office/drawing/2010/main" val="0"/>
+              </a:ext>
+            </a:extLst>
+          </a:blip>
+          <a:srcRect l="15593" t="9091" r="32698"/>
+          <a:stretch/>
+        </p:blipFill>
+        <p:spPr bwMode="auto">
+          <a:xfrm>
+            <a:off x="3523488" y="10"/>
+            <a:ext cx="8668512" cy="6857990"/>
+          </a:xfrm>
+          <a:prstGeom prst="rect">
+            <a:avLst/>
+          </a:prstGeom>
+          <a:noFill/>
+          <a:extLst>
+            <a:ext uri="{909E8E84-426E-40DD-AFC4-6F175D3DCCD1}">
+              <a14:hiddenFill xmlns:a14="http://schemas.microsoft.com/office/drawing/2010/main">
+                <a:solidFill>
+                  <a:srgbClr val="FFFFFF"/>
+                </a:solidFill>
+              </a14:hiddenFill>
+            </a:ext>
+          </a:extLst>
+        </p:spPr>
+      </p:pic>
+      <p:sp>
+        <p:nvSpPr>
+          <p:cNvPr id="12" name="Rectangle 11">
+            <a:extLst>
+              <a:ext uri="{FF2B5EF4-FFF2-40B4-BE49-F238E27FC236}">
+                <a16:creationId xmlns:a16="http://schemas.microsoft.com/office/drawing/2014/main" id="{AB58EF07-17C2-48CF-ABB0-EEF1F17CB8F0}"/>
               </a:ext>
               <a:ext uri="{C183D7F6-B498-43B3-948B-1728B52AA6E4}">
                 <adec:decorative xmlns:adec="http://schemas.microsoft.com/office/drawing/2017/decorative" val="1"/>
@@ -3845,14 +3774,131 @@
         </p:nvSpPr>
         <p:spPr>
           <a:xfrm>
-            <a:off x="0" y="2514600"/>
-            <a:ext cx="12192000" cy="1828800"/>
+            <a:off x="3" y="0"/>
+            <a:ext cx="9339206" cy="6858000"/>
+          </a:xfrm>
+          <a:prstGeom prst="rect">
+            <a:avLst/>
+          </a:prstGeom>
+          <a:gradFill>
+            <a:gsLst>
+              <a:gs pos="58000">
+                <a:schemeClr val="bg1"/>
+              </a:gs>
+              <a:gs pos="33000">
+                <a:schemeClr val="bg1">
+                  <a:alpha val="64000"/>
+                </a:schemeClr>
+              </a:gs>
+              <a:gs pos="0">
+                <a:schemeClr val="bg1">
+                  <a:alpha val="0"/>
+                </a:schemeClr>
+              </a:gs>
+              <a:gs pos="100000">
+                <a:schemeClr val="bg1"/>
+              </a:gs>
+            </a:gsLst>
+            <a:lin ang="10800000" scaled="0"/>
+          </a:gradFill>
+          <a:ln>
+            <a:noFill/>
+          </a:ln>
+        </p:spPr>
+        <p:style>
+          <a:lnRef idx="2">
+            <a:schemeClr val="accent1">
+              <a:shade val="50000"/>
+            </a:schemeClr>
+          </a:lnRef>
+          <a:fillRef idx="1">
+            <a:schemeClr val="accent1"/>
+          </a:fillRef>
+          <a:effectRef idx="0">
+            <a:schemeClr val="accent1"/>
+          </a:effectRef>
+          <a:fontRef idx="minor">
+            <a:schemeClr val="lt1"/>
+          </a:fontRef>
+        </p:style>
+        <p:txBody>
+          <a:bodyPr rtlCol="0" anchor="ctr"/>
+          <a:lstStyle/>
+          <a:p>
+            <a:pPr algn="ctr"/>
+            <a:endParaRPr lang="en-US" dirty="0"/>
+          </a:p>
+        </p:txBody>
+      </p:sp>
+      <p:sp>
+        <p:nvSpPr>
+          <p:cNvPr id="2" name="Título 1">
+            <a:extLst>
+              <a:ext uri="{FF2B5EF4-FFF2-40B4-BE49-F238E27FC236}">
+                <a16:creationId xmlns:a16="http://schemas.microsoft.com/office/drawing/2014/main" id="{A7CFC074-ECF6-4F02-8507-7976AFF55B46}"/>
+              </a:ext>
+            </a:extLst>
+          </p:cNvPr>
+          <p:cNvSpPr>
+            <a:spLocks noGrp="1"/>
+          </p:cNvSpPr>
+          <p:nvPr>
+            <p:ph type="title"/>
+          </p:nvPr>
+        </p:nvSpPr>
+        <p:spPr>
+          <a:xfrm>
+            <a:off x="477981" y="1122363"/>
+            <a:ext cx="4023360" cy="3204134"/>
+          </a:xfrm>
+        </p:spPr>
+        <p:txBody>
+          <a:bodyPr vert="horz" lIns="91440" tIns="45720" rIns="91440" bIns="45720" rtlCol="0" anchor="b">
+            <a:normAutofit/>
+          </a:bodyPr>
+          <a:lstStyle/>
+          <a:p>
+            <a:r>
+              <a:rPr lang="en-US" dirty="0" err="1"/>
+              <a:t>Contextualização</a:t>
+            </a:r>
+            <a:endParaRPr lang="en-US" dirty="0"/>
+          </a:p>
+        </p:txBody>
+      </p:sp>
+      <p:sp>
+        <p:nvSpPr>
+          <p:cNvPr id="14" name="Rectangle 13">
+            <a:extLst>
+              <a:ext uri="{FF2B5EF4-FFF2-40B4-BE49-F238E27FC236}">
+                <a16:creationId xmlns:a16="http://schemas.microsoft.com/office/drawing/2014/main" id="{AF2F604E-43BE-4DC3-B983-E071523364F8}"/>
+              </a:ext>
+              <a:ext uri="{C183D7F6-B498-43B3-948B-1728B52AA6E4}">
+                <adec:decorative xmlns:adec="http://schemas.microsoft.com/office/drawing/2017/decorative" val="1"/>
+              </a:ext>
+            </a:extLst>
+          </p:cNvPr>
+          <p:cNvSpPr>
+            <a:spLocks noGrp="1" noRot="1" noChangeAspect="1" noMove="1" noResize="1" noEditPoints="1" noAdjustHandles="1" noChangeArrowheads="1" noChangeShapeType="1" noTextEdit="1"/>
+          </p:cNvSpPr>
+          <p:nvPr>
+            <p:extLst>
+              <p:ext uri="{386F3935-93C4-4BCD-93E2-E3B085C9AB24}">
+                <p16:designElem xmlns:p16="http://schemas.microsoft.com/office/powerpoint/2015/main" val="1"/>
+              </p:ext>
+            </p:extLst>
+          </p:nvPr>
+        </p:nvSpPr>
+        <p:spPr>
+          <a:xfrm rot="5400000">
+            <a:off x="759921" y="346791"/>
+            <a:ext cx="146304" cy="704088"/>
           </a:xfrm>
           <a:prstGeom prst="rect">
             <a:avLst/>
           </a:prstGeom>
           <a:solidFill>
-            <a:schemeClr val="tx2"/>
+            <a:schemeClr val="accent2"/>
           </a:solidFill>
           <a:ln>
             <a:noFill/>
@@ -3874,52 +3920,117 @@
             <a:schemeClr val="lt1"/>
           </a:fontRef>
         </p:style>
-      </p:sp>
-      <p:sp>
-        <p:nvSpPr>
-          <p:cNvPr id="2" name="Título 1">
-            <a:extLst>
-              <a:ext uri="{FF2B5EF4-FFF2-40B4-BE49-F238E27FC236}">
-                <a16:creationId xmlns:a16="http://schemas.microsoft.com/office/drawing/2014/main" id="{866CE9EB-956B-4B2F-84BD-9A981037CB8C}"/>
-              </a:ext>
-            </a:extLst>
-          </p:cNvPr>
-          <p:cNvSpPr>
-            <a:spLocks noGrp="1"/>
-          </p:cNvSpPr>
-          <p:nvPr>
-            <p:ph type="ctrTitle"/>
+        <p:txBody>
+          <a:bodyPr rtlCol="0" anchor="ctr"/>
+          <a:lstStyle/>
+          <a:p>
+            <a:pPr algn="ctr"/>
+            <a:endParaRPr lang="en-US">
+              <a:solidFill>
+                <a:prstClr val="white"/>
+              </a:solidFill>
+              <a:latin typeface="Calibri" panose="020F0502020204030204"/>
+            </a:endParaRPr>
+          </a:p>
+        </p:txBody>
+      </p:sp>
+      <p:sp>
+        <p:nvSpPr>
+          <p:cNvPr id="16" name="Rectangle 15">
+            <a:extLst>
+              <a:ext uri="{FF2B5EF4-FFF2-40B4-BE49-F238E27FC236}">
+                <a16:creationId xmlns:a16="http://schemas.microsoft.com/office/drawing/2014/main" id="{08C9B587-E65E-4B52-B37C-ABEBB6E87928}"/>
+              </a:ext>
+              <a:ext uri="{C183D7F6-B498-43B3-948B-1728B52AA6E4}">
+                <adec:decorative xmlns:adec="http://schemas.microsoft.com/office/drawing/2017/decorative" val="1"/>
+              </a:ext>
+            </a:extLst>
+          </p:cNvPr>
+          <p:cNvSpPr>
+            <a:spLocks noGrp="1" noRot="1" noChangeAspect="1" noMove="1" noResize="1" noEditPoints="1" noAdjustHandles="1" noChangeArrowheads="1" noChangeShapeType="1" noTextEdit="1"/>
+          </p:cNvSpPr>
+          <p:nvPr>
+            <p:extLst>
+              <p:ext uri="{386F3935-93C4-4BCD-93E2-E3B085C9AB24}">
+                <p16:designElem xmlns:p16="http://schemas.microsoft.com/office/powerpoint/2015/main" val="1"/>
+              </p:ext>
+            </p:extLst>
           </p:nvPr>
         </p:nvSpPr>
         <p:spPr>
           <a:xfrm>
-            <a:off x="1524000" y="2776538"/>
-            <a:ext cx="9144000" cy="1381188"/>
+            <a:off x="481029" y="4546920"/>
+            <a:ext cx="3977640" cy="18288"/>
           </a:xfrm>
+          <a:prstGeom prst="rect">
+            <a:avLst/>
+          </a:prstGeom>
+          <a:solidFill>
+            <a:schemeClr val="tx1"/>
+          </a:solidFill>
+          <a:ln w="3175">
+            <a:noFill/>
+          </a:ln>
+          <a:effectLst/>
         </p:spPr>
-        <p:txBody>
-          <a:bodyPr anchor="ctr">
-            <a:normAutofit/>
-          </a:bodyPr>
-          <a:lstStyle/>
-          <a:p>
-            <a:r>
-              <a:rPr lang="pt-BR" sz="4000" b="1" dirty="0">
-                <a:solidFill>
-                  <a:schemeClr val="bg2"/>
-                </a:solidFill>
-                <a:latin typeface="Arial" panose="020B0604020202020204" pitchFamily="34" charset="0"/>
-                <a:cs typeface="Arial" panose="020B0604020202020204" pitchFamily="34" charset="0"/>
-              </a:rPr>
-              <a:t>Contextualização </a:t>
-            </a:r>
+        <p:style>
+          <a:lnRef idx="2">
+            <a:schemeClr val="accent1">
+              <a:shade val="50000"/>
+            </a:schemeClr>
+          </a:lnRef>
+          <a:fillRef idx="1">
+            <a:schemeClr val="accent1"/>
+          </a:fillRef>
+          <a:effectRef idx="0">
+            <a:schemeClr val="accent1"/>
+          </a:effectRef>
+          <a:fontRef idx="minor">
+            <a:schemeClr val="lt1"/>
+          </a:fontRef>
+        </p:style>
+        <p:txBody>
+          <a:bodyPr rtlCol="0" anchor="ctr"/>
+          <a:lstStyle/>
+          <a:p>
+            <a:pPr marL="0" marR="0" lvl="0" indent="0" algn="ctr" defTabSz="914400" rtl="0" eaLnBrk="1" fontAlgn="auto" latinLnBrk="0" hangingPunct="1">
+              <a:lnSpc>
+                <a:spcPct val="100000"/>
+              </a:lnSpc>
+              <a:spcBef>
+                <a:spcPts val="0"/>
+              </a:spcBef>
+              <a:spcAft>
+                <a:spcPts val="0"/>
+              </a:spcAft>
+              <a:buClrTx/>
+              <a:buSzTx/>
+              <a:buFontTx/>
+              <a:buNone/>
+              <a:tabLst/>
+              <a:defRPr/>
+            </a:pPr>
+            <a:endParaRPr kumimoji="0" lang="en-US" sz="1800" b="0" i="0" u="none" strike="noStrike" kern="1200" cap="none" spc="0" normalizeH="0" baseline="0" noProof="0">
+              <a:ln>
+                <a:noFill/>
+              </a:ln>
+              <a:solidFill>
+                <a:prstClr val="white"/>
+              </a:solidFill>
+              <a:effectLst/>
+              <a:uLnTx/>
+              <a:uFillTx/>
+              <a:latin typeface="Calibri" panose="020F0502020204030204"/>
+              <a:ea typeface="+mn-ea"/>
+              <a:cs typeface="+mn-cs"/>
+            </a:endParaRPr>
           </a:p>
         </p:txBody>
       </p:sp>
     </p:spTree>
     <p:extLst>
       <p:ext uri="{BB962C8B-B14F-4D97-AF65-F5344CB8AC3E}">
-        <p14:creationId xmlns:p14="http://schemas.microsoft.com/office/powerpoint/2010/main" val="951957013"/>
+        <p14:creationId xmlns:p14="http://schemas.microsoft.com/office/powerpoint/2010/main" val="3245538460"/>
       </p:ext>
     </p:extLst>
   </p:cSld>
@@ -3935,10 +4046,7 @@
     <p:bg>
       <p:bgPr>
         <a:solidFill>
-          <a:schemeClr val="bg1">
-            <a:tint val="95000"/>
-            <a:satMod val="170000"/>
-          </a:schemeClr>
+          <a:schemeClr val="bg1"/>
         </a:solidFill>
         <a:effectLst/>
       </p:bgPr>
@@ -3957,21 +4065,21 @@
           <a:chExt cx="0" cy="0"/>
         </a:xfrm>
       </p:grpSpPr>
-      <p:grpSp>
-        <p:nvGrpSpPr>
-          <p:cNvPr id="8" name="Group 7">
-            <a:extLst>
-              <a:ext uri="{FF2B5EF4-FFF2-40B4-BE49-F238E27FC236}">
-                <a16:creationId xmlns:a16="http://schemas.microsoft.com/office/drawing/2014/main" id="{D2C4BFA1-2075-4901-9E24-E41D1FDD51FD}"/>
+      <p:sp useBgFill="1">
+        <p:nvSpPr>
+          <p:cNvPr id="43" name="Rectangle 42">
+            <a:extLst>
+              <a:ext uri="{FF2B5EF4-FFF2-40B4-BE49-F238E27FC236}">
+                <a16:creationId xmlns:a16="http://schemas.microsoft.com/office/drawing/2014/main" id="{0671A8AE-40A1-4631-A6B8-581AFF065482}"/>
               </a:ext>
               <a:ext uri="{C183D7F6-B498-43B3-948B-1728B52AA6E4}">
                 <adec:decorative xmlns:adec="http://schemas.microsoft.com/office/drawing/2017/decorative" val="1"/>
               </a:ext>
             </a:extLst>
           </p:cNvPr>
-          <p:cNvGrpSpPr>
-            <a:grpSpLocks noGrp="1" noUngrp="1" noRot="1" noChangeAspect="1" noMove="1" noResize="1"/>
-          </p:cNvGrpSpPr>
+          <p:cNvSpPr>
+            <a:spLocks noGrp="1" noRot="1" noChangeAspect="1" noMove="1" noResize="1" noEditPoints="1" noAdjustHandles="1" noChangeArrowheads="1" noChangeShapeType="1" noTextEdit="1"/>
+          </p:cNvSpPr>
           <p:nvPr>
             <p:extLst>
               <p:ext uri="{386F3935-93C4-4BCD-93E2-E3B085C9AB24}">
@@ -3979,145 +4087,79 @@
               </p:ext>
             </p:extLst>
           </p:nvPr>
-        </p:nvGrpSpPr>
-        <p:grpSpPr>
+        </p:nvSpPr>
+        <p:spPr>
           <a:xfrm>
-            <a:off x="1155481" y="498348"/>
-            <a:ext cx="9902663" cy="5861304"/>
-            <a:chOff x="1155481" y="498348"/>
-            <a:chExt cx="9902663" cy="5861304"/>
+            <a:off x="0" y="0"/>
+            <a:ext cx="12192000" cy="6858000"/>
           </a:xfrm>
-        </p:grpSpPr>
-        <p:sp>
-          <p:nvSpPr>
-            <p:cNvPr id="9" name="Oval 5">
-              <a:extLst>
-                <a:ext uri="{FF2B5EF4-FFF2-40B4-BE49-F238E27FC236}">
-                  <a16:creationId xmlns:a16="http://schemas.microsoft.com/office/drawing/2014/main" id="{985A7375-E3AF-4F5C-85AE-17E8832952CA}"/>
-                </a:ext>
-                <a:ext uri="{C183D7F6-B498-43B3-948B-1728B52AA6E4}">
-                  <adec:decorative xmlns:adec="http://schemas.microsoft.com/office/drawing/2017/decorative" val="1"/>
-                </a:ext>
-              </a:extLst>
-            </p:cNvPr>
-            <p:cNvSpPr>
-              <a:spLocks noChangeArrowheads="1"/>
-            </p:cNvSpPr>
-            <p:nvPr>
-              <p:extLst>
-                <p:ext uri="{386F3935-93C4-4BCD-93E2-E3B085C9AB24}">
-                  <p16:designElem xmlns:p16="http://schemas.microsoft.com/office/powerpoint/2015/main" val="1"/>
-                </p:ext>
-              </p:extLst>
-            </p:nvPr>
-          </p:nvSpPr>
-          <p:spPr bwMode="auto">
-            <a:xfrm>
-              <a:off x="1155481" y="498348"/>
-              <a:ext cx="5861304" cy="5861304"/>
-            </a:xfrm>
-            <a:prstGeom prst="ellipse">
-              <a:avLst/>
-            </a:prstGeom>
-            <a:solidFill>
-              <a:schemeClr val="accent1">
-                <a:alpha val="55000"/>
-              </a:schemeClr>
-            </a:solidFill>
-            <a:ln>
-              <a:noFill/>
-            </a:ln>
-          </p:spPr>
-        </p:sp>
-        <p:sp>
-          <p:nvSpPr>
-            <p:cNvPr id="10" name="Oval 9">
-              <a:extLst>
-                <a:ext uri="{FF2B5EF4-FFF2-40B4-BE49-F238E27FC236}">
-                  <a16:creationId xmlns:a16="http://schemas.microsoft.com/office/drawing/2014/main" id="{F0307F65-8304-4FA8-A841-D4D7625411BE}"/>
-                </a:ext>
-                <a:ext uri="{C183D7F6-B498-43B3-948B-1728B52AA6E4}">
-                  <adec:decorative xmlns:adec="http://schemas.microsoft.com/office/drawing/2017/decorative" val="1"/>
-                </a:ext>
-              </a:extLst>
-            </p:cNvPr>
-            <p:cNvSpPr>
-              <a:spLocks noChangeArrowheads="1"/>
-            </p:cNvSpPr>
-            <p:nvPr>
-              <p:extLst>
-                <p:ext uri="{386F3935-93C4-4BCD-93E2-E3B085C9AB24}">
-                  <p16:designElem xmlns:p16="http://schemas.microsoft.com/office/powerpoint/2015/main" val="1"/>
-                </p:ext>
-              </p:extLst>
-            </p:nvPr>
-          </p:nvSpPr>
-          <p:spPr bwMode="auto">
-            <a:xfrm>
-              <a:off x="5196840" y="498348"/>
-              <a:ext cx="5861304" cy="5861304"/>
-            </a:xfrm>
-            <a:prstGeom prst="ellipse">
-              <a:avLst/>
-            </a:prstGeom>
-            <a:solidFill>
-              <a:schemeClr val="accent1">
-                <a:alpha val="55000"/>
-              </a:schemeClr>
-            </a:solidFill>
-            <a:ln>
-              <a:noFill/>
-            </a:ln>
-          </p:spPr>
-        </p:sp>
-        <p:sp>
-          <p:nvSpPr>
-            <p:cNvPr id="11" name="Oval 5">
-              <a:extLst>
-                <a:ext uri="{FF2B5EF4-FFF2-40B4-BE49-F238E27FC236}">
-                  <a16:creationId xmlns:a16="http://schemas.microsoft.com/office/drawing/2014/main" id="{C8B8394C-136F-4E05-A002-D93A5E79CD50}"/>
-                </a:ext>
-                <a:ext uri="{C183D7F6-B498-43B3-948B-1728B52AA6E4}">
-                  <adec:decorative xmlns:adec="http://schemas.microsoft.com/office/drawing/2017/decorative" val="1"/>
-                </a:ext>
-              </a:extLst>
-            </p:cNvPr>
-            <p:cNvSpPr>
-              <a:spLocks noChangeArrowheads="1"/>
-            </p:cNvSpPr>
-            <p:nvPr>
-              <p:extLst>
-                <p:ext uri="{386F3935-93C4-4BCD-93E2-E3B085C9AB24}">
-                  <p16:designElem xmlns:p16="http://schemas.microsoft.com/office/powerpoint/2015/main" val="1"/>
-                </p:ext>
-              </p:extLst>
-            </p:nvPr>
-          </p:nvSpPr>
-          <p:spPr bwMode="auto">
-            <a:xfrm>
-              <a:off x="3165348" y="498348"/>
-              <a:ext cx="5861304" cy="5861304"/>
-            </a:xfrm>
-            <a:prstGeom prst="ellipse">
-              <a:avLst/>
-            </a:prstGeom>
-            <a:solidFill>
-              <a:schemeClr val="accent1">
-                <a:alpha val="70000"/>
-              </a:schemeClr>
-            </a:solidFill>
-            <a:ln>
-              <a:noFill/>
-            </a:ln>
-          </p:spPr>
-        </p:sp>
-      </p:grpSp>
-      <p:sp>
-        <p:nvSpPr>
-          <p:cNvPr id="13" name="Rectangle 12">
-            <a:extLst>
-              <a:ext uri="{FF2B5EF4-FFF2-40B4-BE49-F238E27FC236}">
-                <a16:creationId xmlns:a16="http://schemas.microsoft.com/office/drawing/2014/main" id="{053FB2EE-284F-4C87-AB3D-BBF87A9FAB97}"/>
+          <a:prstGeom prst="rect">
+            <a:avLst/>
+          </a:prstGeom>
+          <a:ln>
+            <a:noFill/>
+          </a:ln>
+        </p:spPr>
+        <p:style>
+          <a:lnRef idx="2">
+            <a:schemeClr val="accent1">
+              <a:shade val="50000"/>
+            </a:schemeClr>
+          </a:lnRef>
+          <a:fillRef idx="1">
+            <a:schemeClr val="accent1"/>
+          </a:fillRef>
+          <a:effectRef idx="0">
+            <a:schemeClr val="accent1"/>
+          </a:effectRef>
+          <a:fontRef idx="minor">
+            <a:schemeClr val="lt1"/>
+          </a:fontRef>
+        </p:style>
+        <p:txBody>
+          <a:bodyPr rtlCol="0" anchor="ctr"/>
+          <a:lstStyle/>
+          <a:p>
+            <a:pPr algn="ctr"/>
+            <a:endParaRPr lang="en-US"/>
+          </a:p>
+        </p:txBody>
+      </p:sp>
+      <p:pic>
+        <p:nvPicPr>
+          <p:cNvPr id="4" name="Imagem 3" descr="Diagrama&#10;&#10;Descrição gerada automaticamente">
+            <a:extLst>
+              <a:ext uri="{FF2B5EF4-FFF2-40B4-BE49-F238E27FC236}">
+                <a16:creationId xmlns:a16="http://schemas.microsoft.com/office/drawing/2014/main" id="{92506A7C-A1D6-4969-A72A-7A504C407A59}"/>
+              </a:ext>
+            </a:extLst>
+          </p:cNvPr>
+          <p:cNvPicPr>
+            <a:picLocks noChangeAspect="1"/>
+          </p:cNvPicPr>
+          <p:nvPr/>
+        </p:nvPicPr>
+        <p:blipFill rotWithShape="1">
+          <a:blip r:embed="rId2"/>
+          <a:srcRect l="11863" r="45160" b="-1"/>
+          <a:stretch/>
+        </p:blipFill>
+        <p:spPr>
+          <a:xfrm>
+            <a:off x="3523488" y="10"/>
+            <a:ext cx="8668512" cy="6857990"/>
+          </a:xfrm>
+          <a:prstGeom prst="rect">
+            <a:avLst/>
+          </a:prstGeom>
+        </p:spPr>
+      </p:pic>
+      <p:sp>
+        <p:nvSpPr>
+          <p:cNvPr id="45" name="Rectangle 44">
+            <a:extLst>
+              <a:ext uri="{FF2B5EF4-FFF2-40B4-BE49-F238E27FC236}">
+                <a16:creationId xmlns:a16="http://schemas.microsoft.com/office/drawing/2014/main" id="{AB58EF07-17C2-48CF-ABB0-EEF1F17CB8F0}"/>
               </a:ext>
               <a:ext uri="{C183D7F6-B498-43B3-948B-1728B52AA6E4}">
                 <adec:decorative xmlns:adec="http://schemas.microsoft.com/office/drawing/2017/decorative" val="1"/>
@@ -4137,14 +4179,130 @@
         </p:nvSpPr>
         <p:spPr>
           <a:xfrm>
-            <a:off x="0" y="2514600"/>
-            <a:ext cx="12192000" cy="1828800"/>
+            <a:off x="3" y="0"/>
+            <a:ext cx="9339206" cy="6858000"/>
+          </a:xfrm>
+          <a:prstGeom prst="rect">
+            <a:avLst/>
+          </a:prstGeom>
+          <a:gradFill>
+            <a:gsLst>
+              <a:gs pos="58000">
+                <a:schemeClr val="bg1"/>
+              </a:gs>
+              <a:gs pos="33000">
+                <a:schemeClr val="bg1">
+                  <a:alpha val="64000"/>
+                </a:schemeClr>
+              </a:gs>
+              <a:gs pos="0">
+                <a:schemeClr val="bg1">
+                  <a:alpha val="0"/>
+                </a:schemeClr>
+              </a:gs>
+              <a:gs pos="100000">
+                <a:schemeClr val="bg1"/>
+              </a:gs>
+            </a:gsLst>
+            <a:lin ang="10800000" scaled="0"/>
+          </a:gradFill>
+          <a:ln>
+            <a:noFill/>
+          </a:ln>
+        </p:spPr>
+        <p:style>
+          <a:lnRef idx="2">
+            <a:schemeClr val="accent1">
+              <a:shade val="50000"/>
+            </a:schemeClr>
+          </a:lnRef>
+          <a:fillRef idx="1">
+            <a:schemeClr val="accent1"/>
+          </a:fillRef>
+          <a:effectRef idx="0">
+            <a:schemeClr val="accent1"/>
+          </a:effectRef>
+          <a:fontRef idx="minor">
+            <a:schemeClr val="lt1"/>
+          </a:fontRef>
+        </p:style>
+        <p:txBody>
+          <a:bodyPr rtlCol="0" anchor="ctr"/>
+          <a:lstStyle/>
+          <a:p>
+            <a:pPr algn="ctr"/>
+            <a:endParaRPr lang="en-US" dirty="0"/>
+          </a:p>
+        </p:txBody>
+      </p:sp>
+      <p:sp>
+        <p:nvSpPr>
+          <p:cNvPr id="2" name="Título 1">
+            <a:extLst>
+              <a:ext uri="{FF2B5EF4-FFF2-40B4-BE49-F238E27FC236}">
+                <a16:creationId xmlns:a16="http://schemas.microsoft.com/office/drawing/2014/main" id="{FD83D65F-C3BC-4D7C-A5F7-6297FD5E33D2}"/>
+              </a:ext>
+            </a:extLst>
+          </p:cNvPr>
+          <p:cNvSpPr>
+            <a:spLocks noGrp="1"/>
+          </p:cNvSpPr>
+          <p:nvPr>
+            <p:ph type="title"/>
+          </p:nvPr>
+        </p:nvSpPr>
+        <p:spPr>
+          <a:xfrm>
+            <a:off x="477981" y="1122363"/>
+            <a:ext cx="4023360" cy="3204134"/>
+          </a:xfrm>
+        </p:spPr>
+        <p:txBody>
+          <a:bodyPr vert="horz" lIns="91440" tIns="45720" rIns="91440" bIns="45720" rtlCol="0" anchor="b">
+            <a:normAutofit/>
+          </a:bodyPr>
+          <a:lstStyle/>
+          <a:p>
+            <a:r>
+              <a:rPr lang="en-US" sz="4800" u="sng"/>
+              <a:t>Objetivo</a:t>
+            </a:r>
+          </a:p>
+        </p:txBody>
+      </p:sp>
+      <p:sp>
+        <p:nvSpPr>
+          <p:cNvPr id="47" name="Rectangle 46">
+            <a:extLst>
+              <a:ext uri="{FF2B5EF4-FFF2-40B4-BE49-F238E27FC236}">
+                <a16:creationId xmlns:a16="http://schemas.microsoft.com/office/drawing/2014/main" id="{AF2F604E-43BE-4DC3-B983-E071523364F8}"/>
+              </a:ext>
+              <a:ext uri="{C183D7F6-B498-43B3-948B-1728B52AA6E4}">
+                <adec:decorative xmlns:adec="http://schemas.microsoft.com/office/drawing/2017/decorative" val="1"/>
+              </a:ext>
+            </a:extLst>
+          </p:cNvPr>
+          <p:cNvSpPr>
+            <a:spLocks noGrp="1" noRot="1" noChangeAspect="1" noMove="1" noResize="1" noEditPoints="1" noAdjustHandles="1" noChangeArrowheads="1" noChangeShapeType="1" noTextEdit="1"/>
+          </p:cNvSpPr>
+          <p:nvPr>
+            <p:extLst>
+              <p:ext uri="{386F3935-93C4-4BCD-93E2-E3B085C9AB24}">
+                <p16:designElem xmlns:p16="http://schemas.microsoft.com/office/powerpoint/2015/main" val="1"/>
+              </p:ext>
+            </p:extLst>
+          </p:nvPr>
+        </p:nvSpPr>
+        <p:spPr>
+          <a:xfrm rot="5400000">
+            <a:off x="759921" y="346791"/>
+            <a:ext cx="146304" cy="704088"/>
           </a:xfrm>
           <a:prstGeom prst="rect">
             <a:avLst/>
           </a:prstGeom>
           <a:solidFill>
-            <a:schemeClr val="tx2"/>
+            <a:schemeClr val="accent2"/>
           </a:solidFill>
           <a:ln>
             <a:noFill/>
@@ -4166,52 +4324,117 @@
             <a:schemeClr val="lt1"/>
           </a:fontRef>
         </p:style>
-      </p:sp>
-      <p:sp>
-        <p:nvSpPr>
-          <p:cNvPr id="2" name="Título 1">
-            <a:extLst>
-              <a:ext uri="{FF2B5EF4-FFF2-40B4-BE49-F238E27FC236}">
-                <a16:creationId xmlns:a16="http://schemas.microsoft.com/office/drawing/2014/main" id="{866CE9EB-956B-4B2F-84BD-9A981037CB8C}"/>
-              </a:ext>
-            </a:extLst>
-          </p:cNvPr>
-          <p:cNvSpPr>
-            <a:spLocks noGrp="1"/>
-          </p:cNvSpPr>
-          <p:nvPr>
-            <p:ph type="ctrTitle"/>
+        <p:txBody>
+          <a:bodyPr rtlCol="0" anchor="ctr"/>
+          <a:lstStyle/>
+          <a:p>
+            <a:pPr algn="ctr"/>
+            <a:endParaRPr lang="en-US">
+              <a:solidFill>
+                <a:prstClr val="white"/>
+              </a:solidFill>
+              <a:latin typeface="Calibri" panose="020F0502020204030204"/>
+            </a:endParaRPr>
+          </a:p>
+        </p:txBody>
+      </p:sp>
+      <p:sp>
+        <p:nvSpPr>
+          <p:cNvPr id="53" name="Rectangle 48">
+            <a:extLst>
+              <a:ext uri="{FF2B5EF4-FFF2-40B4-BE49-F238E27FC236}">
+                <a16:creationId xmlns:a16="http://schemas.microsoft.com/office/drawing/2014/main" id="{08C9B587-E65E-4B52-B37C-ABEBB6E87928}"/>
+              </a:ext>
+              <a:ext uri="{C183D7F6-B498-43B3-948B-1728B52AA6E4}">
+                <adec:decorative xmlns:adec="http://schemas.microsoft.com/office/drawing/2017/decorative" val="1"/>
+              </a:ext>
+            </a:extLst>
+          </p:cNvPr>
+          <p:cNvSpPr>
+            <a:spLocks noGrp="1" noRot="1" noChangeAspect="1" noMove="1" noResize="1" noEditPoints="1" noAdjustHandles="1" noChangeArrowheads="1" noChangeShapeType="1" noTextEdit="1"/>
+          </p:cNvSpPr>
+          <p:nvPr>
+            <p:extLst>
+              <p:ext uri="{386F3935-93C4-4BCD-93E2-E3B085C9AB24}">
+                <p16:designElem xmlns:p16="http://schemas.microsoft.com/office/powerpoint/2015/main" val="1"/>
+              </p:ext>
+            </p:extLst>
           </p:nvPr>
         </p:nvSpPr>
         <p:spPr>
           <a:xfrm>
-            <a:off x="1524000" y="2776538"/>
-            <a:ext cx="9144000" cy="1381188"/>
+            <a:off x="481029" y="4546920"/>
+            <a:ext cx="3977640" cy="18288"/>
           </a:xfrm>
+          <a:prstGeom prst="rect">
+            <a:avLst/>
+          </a:prstGeom>
+          <a:solidFill>
+            <a:schemeClr val="tx1"/>
+          </a:solidFill>
+          <a:ln w="3175">
+            <a:noFill/>
+          </a:ln>
+          <a:effectLst/>
         </p:spPr>
-        <p:txBody>
-          <a:bodyPr anchor="ctr">
-            <a:normAutofit/>
-          </a:bodyPr>
-          <a:lstStyle/>
-          <a:p>
-            <a:r>
-              <a:rPr lang="pt-BR" sz="4000" b="1" dirty="0">
-                <a:solidFill>
-                  <a:schemeClr val="bg2"/>
-                </a:solidFill>
-                <a:latin typeface="Arial" panose="020B0604020202020204" pitchFamily="34" charset="0"/>
-                <a:cs typeface="Arial" panose="020B0604020202020204" pitchFamily="34" charset="0"/>
-              </a:rPr>
-              <a:t>Objetivo</a:t>
-            </a:r>
+        <p:style>
+          <a:lnRef idx="2">
+            <a:schemeClr val="accent1">
+              <a:shade val="50000"/>
+            </a:schemeClr>
+          </a:lnRef>
+          <a:fillRef idx="1">
+            <a:schemeClr val="accent1"/>
+          </a:fillRef>
+          <a:effectRef idx="0">
+            <a:schemeClr val="accent1"/>
+          </a:effectRef>
+          <a:fontRef idx="minor">
+            <a:schemeClr val="lt1"/>
+          </a:fontRef>
+        </p:style>
+        <p:txBody>
+          <a:bodyPr rtlCol="0" anchor="ctr"/>
+          <a:lstStyle/>
+          <a:p>
+            <a:pPr marL="0" marR="0" lvl="0" indent="0" algn="ctr" defTabSz="914400" rtl="0" eaLnBrk="1" fontAlgn="auto" latinLnBrk="0" hangingPunct="1">
+              <a:lnSpc>
+                <a:spcPct val="100000"/>
+              </a:lnSpc>
+              <a:spcBef>
+                <a:spcPts val="0"/>
+              </a:spcBef>
+              <a:spcAft>
+                <a:spcPts val="0"/>
+              </a:spcAft>
+              <a:buClrTx/>
+              <a:buSzTx/>
+              <a:buFontTx/>
+              <a:buNone/>
+              <a:tabLst/>
+              <a:defRPr/>
+            </a:pPr>
+            <a:endParaRPr kumimoji="0" lang="en-US" sz="1800" b="0" i="0" u="none" strike="noStrike" kern="1200" cap="none" spc="0" normalizeH="0" baseline="0" noProof="0">
+              <a:ln>
+                <a:noFill/>
+              </a:ln>
+              <a:solidFill>
+                <a:prstClr val="white"/>
+              </a:solidFill>
+              <a:effectLst/>
+              <a:uLnTx/>
+              <a:uFillTx/>
+              <a:latin typeface="Calibri" panose="020F0502020204030204"/>
+              <a:ea typeface="+mn-ea"/>
+              <a:cs typeface="+mn-cs"/>
+            </a:endParaRPr>
           </a:p>
         </p:txBody>
       </p:sp>
     </p:spTree>
     <p:extLst>
       <p:ext uri="{BB962C8B-B14F-4D97-AF65-F5344CB8AC3E}">
-        <p14:creationId xmlns:p14="http://schemas.microsoft.com/office/powerpoint/2010/main" val="2938508242"/>
+        <p14:creationId xmlns:p14="http://schemas.microsoft.com/office/powerpoint/2010/main" val="1975109841"/>
       </p:ext>
     </p:extLst>
   </p:cSld>
@@ -4227,10 +4450,7 @@
     <p:bg>
       <p:bgPr>
         <a:solidFill>
-          <a:schemeClr val="bg1">
-            <a:tint val="95000"/>
-            <a:satMod val="170000"/>
-          </a:schemeClr>
+          <a:schemeClr val="bg1"/>
         </a:solidFill>
         <a:effectLst/>
       </p:bgPr>
@@ -4249,21 +4469,21 @@
           <a:chExt cx="0" cy="0"/>
         </a:xfrm>
       </p:grpSpPr>
-      <p:grpSp>
-        <p:nvGrpSpPr>
-          <p:cNvPr id="8" name="Group 7">
-            <a:extLst>
-              <a:ext uri="{FF2B5EF4-FFF2-40B4-BE49-F238E27FC236}">
-                <a16:creationId xmlns:a16="http://schemas.microsoft.com/office/drawing/2014/main" id="{D2C4BFA1-2075-4901-9E24-E41D1FDD51FD}"/>
+      <p:sp>
+        <p:nvSpPr>
+          <p:cNvPr id="12" name="Rectangle 11">
+            <a:extLst>
+              <a:ext uri="{FF2B5EF4-FFF2-40B4-BE49-F238E27FC236}">
+                <a16:creationId xmlns:a16="http://schemas.microsoft.com/office/drawing/2014/main" id="{5F18414D-1626-4996-AACB-23D3DE45B03B}"/>
               </a:ext>
               <a:ext uri="{C183D7F6-B498-43B3-948B-1728B52AA6E4}">
                 <adec:decorative xmlns:adec="http://schemas.microsoft.com/office/drawing/2017/decorative" val="1"/>
               </a:ext>
             </a:extLst>
           </p:cNvPr>
-          <p:cNvGrpSpPr>
-            <a:grpSpLocks noGrp="1" noUngrp="1" noRot="1" noChangeAspect="1" noMove="1" noResize="1"/>
-          </p:cNvGrpSpPr>
+          <p:cNvSpPr>
+            <a:spLocks noGrp="1" noRot="1" noChangeAspect="1" noMove="1" noResize="1" noEditPoints="1" noAdjustHandles="1" noChangeArrowheads="1" noChangeShapeType="1" noTextEdit="1"/>
+          </p:cNvSpPr>
           <p:nvPr>
             <p:extLst>
               <p:ext uri="{386F3935-93C4-4BCD-93E2-E3B085C9AB24}">
@@ -4271,172 +4491,20 @@
               </p:ext>
             </p:extLst>
           </p:nvPr>
-        </p:nvGrpSpPr>
-        <p:grpSpPr>
-          <a:xfrm>
-            <a:off x="1155481" y="498348"/>
-            <a:ext cx="9902663" cy="5861304"/>
-            <a:chOff x="1155481" y="498348"/>
-            <a:chExt cx="9902663" cy="5861304"/>
-          </a:xfrm>
-        </p:grpSpPr>
-        <p:sp>
-          <p:nvSpPr>
-            <p:cNvPr id="9" name="Oval 5">
-              <a:extLst>
-                <a:ext uri="{FF2B5EF4-FFF2-40B4-BE49-F238E27FC236}">
-                  <a16:creationId xmlns:a16="http://schemas.microsoft.com/office/drawing/2014/main" id="{985A7375-E3AF-4F5C-85AE-17E8832952CA}"/>
-                </a:ext>
-                <a:ext uri="{C183D7F6-B498-43B3-948B-1728B52AA6E4}">
-                  <adec:decorative xmlns:adec="http://schemas.microsoft.com/office/drawing/2017/decorative" val="1"/>
-                </a:ext>
-              </a:extLst>
-            </p:cNvPr>
-            <p:cNvSpPr>
-              <a:spLocks noChangeArrowheads="1"/>
-            </p:cNvSpPr>
-            <p:nvPr>
-              <p:extLst>
-                <p:ext uri="{386F3935-93C4-4BCD-93E2-E3B085C9AB24}">
-                  <p16:designElem xmlns:p16="http://schemas.microsoft.com/office/powerpoint/2015/main" val="1"/>
-                </p:ext>
-              </p:extLst>
-            </p:nvPr>
-          </p:nvSpPr>
-          <p:spPr bwMode="auto">
-            <a:xfrm>
-              <a:off x="1155481" y="498348"/>
-              <a:ext cx="5861304" cy="5861304"/>
-            </a:xfrm>
-            <a:prstGeom prst="ellipse">
-              <a:avLst/>
-            </a:prstGeom>
-            <a:solidFill>
-              <a:schemeClr val="accent1">
-                <a:alpha val="55000"/>
-              </a:schemeClr>
-            </a:solidFill>
-            <a:ln>
-              <a:noFill/>
-            </a:ln>
-          </p:spPr>
-        </p:sp>
-        <p:sp>
-          <p:nvSpPr>
-            <p:cNvPr id="10" name="Oval 9">
-              <a:extLst>
-                <a:ext uri="{FF2B5EF4-FFF2-40B4-BE49-F238E27FC236}">
-                  <a16:creationId xmlns:a16="http://schemas.microsoft.com/office/drawing/2014/main" id="{F0307F65-8304-4FA8-A841-D4D7625411BE}"/>
-                </a:ext>
-                <a:ext uri="{C183D7F6-B498-43B3-948B-1728B52AA6E4}">
-                  <adec:decorative xmlns:adec="http://schemas.microsoft.com/office/drawing/2017/decorative" val="1"/>
-                </a:ext>
-              </a:extLst>
-            </p:cNvPr>
-            <p:cNvSpPr>
-              <a:spLocks noChangeArrowheads="1"/>
-            </p:cNvSpPr>
-            <p:nvPr>
-              <p:extLst>
-                <p:ext uri="{386F3935-93C4-4BCD-93E2-E3B085C9AB24}">
-                  <p16:designElem xmlns:p16="http://schemas.microsoft.com/office/powerpoint/2015/main" val="1"/>
-                </p:ext>
-              </p:extLst>
-            </p:nvPr>
-          </p:nvSpPr>
-          <p:spPr bwMode="auto">
-            <a:xfrm>
-              <a:off x="5196840" y="498348"/>
-              <a:ext cx="5861304" cy="5861304"/>
-            </a:xfrm>
-            <a:prstGeom prst="ellipse">
-              <a:avLst/>
-            </a:prstGeom>
-            <a:solidFill>
-              <a:schemeClr val="accent1">
-                <a:alpha val="55000"/>
-              </a:schemeClr>
-            </a:solidFill>
-            <a:ln>
-              <a:noFill/>
-            </a:ln>
-          </p:spPr>
-        </p:sp>
-        <p:sp>
-          <p:nvSpPr>
-            <p:cNvPr id="11" name="Oval 5">
-              <a:extLst>
-                <a:ext uri="{FF2B5EF4-FFF2-40B4-BE49-F238E27FC236}">
-                  <a16:creationId xmlns:a16="http://schemas.microsoft.com/office/drawing/2014/main" id="{C8B8394C-136F-4E05-A002-D93A5E79CD50}"/>
-                </a:ext>
-                <a:ext uri="{C183D7F6-B498-43B3-948B-1728B52AA6E4}">
-                  <adec:decorative xmlns:adec="http://schemas.microsoft.com/office/drawing/2017/decorative" val="1"/>
-                </a:ext>
-              </a:extLst>
-            </p:cNvPr>
-            <p:cNvSpPr>
-              <a:spLocks noChangeArrowheads="1"/>
-            </p:cNvSpPr>
-            <p:nvPr>
-              <p:extLst>
-                <p:ext uri="{386F3935-93C4-4BCD-93E2-E3B085C9AB24}">
-                  <p16:designElem xmlns:p16="http://schemas.microsoft.com/office/powerpoint/2015/main" val="1"/>
-                </p:ext>
-              </p:extLst>
-            </p:nvPr>
-          </p:nvSpPr>
-          <p:spPr bwMode="auto">
-            <a:xfrm>
-              <a:off x="3165348" y="498348"/>
-              <a:ext cx="5861304" cy="5861304"/>
-            </a:xfrm>
-            <a:prstGeom prst="ellipse">
-              <a:avLst/>
-            </a:prstGeom>
-            <a:solidFill>
-              <a:schemeClr val="accent1">
-                <a:alpha val="70000"/>
-              </a:schemeClr>
-            </a:solidFill>
-            <a:ln>
-              <a:noFill/>
-            </a:ln>
-          </p:spPr>
-        </p:sp>
-      </p:grpSp>
-      <p:sp>
-        <p:nvSpPr>
-          <p:cNvPr id="13" name="Rectangle 12">
-            <a:extLst>
-              <a:ext uri="{FF2B5EF4-FFF2-40B4-BE49-F238E27FC236}">
-                <a16:creationId xmlns:a16="http://schemas.microsoft.com/office/drawing/2014/main" id="{053FB2EE-284F-4C87-AB3D-BBF87A9FAB97}"/>
-              </a:ext>
-              <a:ext uri="{C183D7F6-B498-43B3-948B-1728B52AA6E4}">
-                <adec:decorative xmlns:adec="http://schemas.microsoft.com/office/drawing/2017/decorative" val="1"/>
-              </a:ext>
-            </a:extLst>
-          </p:cNvPr>
-          <p:cNvSpPr>
-            <a:spLocks noGrp="1" noRot="1" noChangeAspect="1" noMove="1" noResize="1" noEditPoints="1" noAdjustHandles="1" noChangeArrowheads="1" noChangeShapeType="1" noTextEdit="1"/>
-          </p:cNvSpPr>
-          <p:nvPr>
-            <p:extLst>
-              <p:ext uri="{386F3935-93C4-4BCD-93E2-E3B085C9AB24}">
-                <p16:designElem xmlns:p16="http://schemas.microsoft.com/office/powerpoint/2015/main" val="1"/>
-              </p:ext>
-            </p:extLst>
-          </p:nvPr>
         </p:nvSpPr>
         <p:spPr>
           <a:xfrm>
-            <a:off x="0" y="2514600"/>
-            <a:ext cx="12192000" cy="1828800"/>
+            <a:off x="0" y="0"/>
+            <a:ext cx="12192000" cy="6858000"/>
           </a:xfrm>
           <a:prstGeom prst="rect">
             <a:avLst/>
           </a:prstGeom>
           <a:solidFill>
-            <a:schemeClr val="tx2"/>
+            <a:schemeClr val="tx1">
+              <a:lumMod val="95000"/>
+              <a:lumOff val="5000"/>
+            </a:schemeClr>
           </a:solidFill>
           <a:ln>
             <a:noFill/>
@@ -4458,57 +4526,226 @@
             <a:schemeClr val="lt1"/>
           </a:fontRef>
         </p:style>
-      </p:sp>
-      <p:sp>
-        <p:nvSpPr>
-          <p:cNvPr id="2" name="Título 1">
-            <a:extLst>
-              <a:ext uri="{FF2B5EF4-FFF2-40B4-BE49-F238E27FC236}">
-                <a16:creationId xmlns:a16="http://schemas.microsoft.com/office/drawing/2014/main" id="{866CE9EB-956B-4B2F-84BD-9A981037CB8C}"/>
-              </a:ext>
-            </a:extLst>
-          </p:cNvPr>
-          <p:cNvSpPr>
-            <a:spLocks noGrp="1"/>
-          </p:cNvSpPr>
-          <p:nvPr>
-            <p:ph type="ctrTitle"/>
-          </p:nvPr>
+        <p:txBody>
+          <a:bodyPr rtlCol="0" anchor="ctr"/>
+          <a:lstStyle/>
+          <a:p>
+            <a:pPr algn="ctr"/>
+            <a:endParaRPr lang="en-US" dirty="0">
+              <a:solidFill>
+                <a:schemeClr val="tx1"/>
+              </a:solidFill>
+            </a:endParaRPr>
+          </a:p>
+        </p:txBody>
+      </p:sp>
+      <p:sp>
+        <p:nvSpPr>
+          <p:cNvPr id="7" name="Título 1">
+            <a:extLst>
+              <a:ext uri="{FF2B5EF4-FFF2-40B4-BE49-F238E27FC236}">
+                <a16:creationId xmlns:a16="http://schemas.microsoft.com/office/drawing/2014/main" id="{D8B6B3A3-E3D8-40A1-A1DB-FD5EC43BD197}"/>
+              </a:ext>
+            </a:extLst>
+          </p:cNvPr>
+          <p:cNvSpPr txBox="1">
+            <a:spLocks/>
+          </p:cNvSpPr>
+          <p:nvPr/>
         </p:nvSpPr>
         <p:spPr>
           <a:xfrm>
-            <a:off x="1524000" y="2776538"/>
-            <a:ext cx="9144000" cy="1381188"/>
+            <a:off x="126205" y="1041400"/>
+            <a:ext cx="11939589" cy="2387600"/>
           </a:xfrm>
+          <a:prstGeom prst="rect">
+            <a:avLst/>
+          </a:prstGeom>
         </p:spPr>
         <p:txBody>
-          <a:bodyPr anchor="ctr">
+          <a:bodyPr vert="horz" lIns="91440" tIns="45720" rIns="91440" bIns="45720" rtlCol="0" anchor="b">
             <a:normAutofit/>
           </a:bodyPr>
-          <a:lstStyle/>
-          <a:p>
-            <a:r>
-              <a:rPr lang="pt-BR" sz="4000" b="1" dirty="0">
+          <a:lstStyle>
+            <a:lvl1pPr algn="ctr" defTabSz="914400" rtl="0" eaLnBrk="1" latinLnBrk="0" hangingPunct="1">
+              <a:lnSpc>
+                <a:spcPct val="90000"/>
+              </a:lnSpc>
+              <a:spcBef>
+                <a:spcPct val="0"/>
+              </a:spcBef>
+              <a:buNone/>
+              <a:defRPr sz="6000" kern="1200">
                 <a:solidFill>
-                  <a:schemeClr val="bg2"/>
+                  <a:schemeClr val="tx1"/>
+                </a:solidFill>
+                <a:latin typeface="+mj-lt"/>
+                <a:ea typeface="+mj-ea"/>
+                <a:cs typeface="+mj-cs"/>
+              </a:defRPr>
+            </a:lvl1pPr>
+          </a:lstStyle>
+          <a:p>
+            <a:pPr>
+              <a:spcAft>
+                <a:spcPts val="600"/>
+              </a:spcAft>
+            </a:pPr>
+            <a:r>
+              <a:rPr lang="en-US" sz="4800" b="1" kern="1200" dirty="0" err="1">
+                <a:solidFill>
+                  <a:schemeClr val="bg1"/>
                 </a:solidFill>
                 <a:latin typeface="Arial" panose="020B0604020202020204" pitchFamily="34" charset="0"/>
                 <a:cs typeface="Arial" panose="020B0604020202020204" pitchFamily="34" charset="0"/>
               </a:rPr>
               <a:t>Conclusão</a:t>
             </a:r>
-          </a:p>
-        </p:txBody>
-      </p:sp>
+            <a:br>
+              <a:rPr lang="en-US" sz="4800" kern="1200" dirty="0">
+                <a:solidFill>
+                  <a:schemeClr val="bg1"/>
+                </a:solidFill>
+                <a:latin typeface="+mj-lt"/>
+                <a:ea typeface="+mj-ea"/>
+                <a:cs typeface="+mj-cs"/>
+              </a:rPr>
+            </a:br>
+            <a:endParaRPr lang="en-US" sz="4800" kern="1200" dirty="0">
+              <a:solidFill>
+                <a:schemeClr val="bg1"/>
+              </a:solidFill>
+              <a:latin typeface="+mj-lt"/>
+              <a:ea typeface="+mj-ea"/>
+              <a:cs typeface="+mj-cs"/>
+            </a:endParaRPr>
+          </a:p>
+        </p:txBody>
+      </p:sp>
+      <p:sp>
+        <p:nvSpPr>
+          <p:cNvPr id="14" name="Rectangle 13">
+            <a:extLst>
+              <a:ext uri="{FF2B5EF4-FFF2-40B4-BE49-F238E27FC236}">
+                <a16:creationId xmlns:a16="http://schemas.microsoft.com/office/drawing/2014/main" id="{D84C2E9E-0B5D-4B5F-9A1F-70EBDCE39034}"/>
+              </a:ext>
+              <a:ext uri="{C183D7F6-B498-43B3-948B-1728B52AA6E4}">
+                <adec:decorative xmlns:adec="http://schemas.microsoft.com/office/drawing/2017/decorative" val="1"/>
+              </a:ext>
+            </a:extLst>
+          </p:cNvPr>
+          <p:cNvSpPr>
+            <a:spLocks noGrp="1" noRot="1" noChangeAspect="1" noMove="1" noResize="1" noEditPoints="1" noAdjustHandles="1" noChangeArrowheads="1" noChangeShapeType="1" noTextEdit="1"/>
+          </p:cNvSpPr>
+          <p:nvPr>
+            <p:extLst>
+              <p:ext uri="{386F3935-93C4-4BCD-93E2-E3B085C9AB24}">
+                <p16:designElem xmlns:p16="http://schemas.microsoft.com/office/powerpoint/2015/main" val="1"/>
+              </p:ext>
+            </p:extLst>
+          </p:nvPr>
+        </p:nvSpPr>
+        <p:spPr>
+          <a:xfrm>
+            <a:off x="126206" y="115193"/>
+            <a:ext cx="11939588" cy="6627614"/>
+          </a:xfrm>
+          <a:prstGeom prst="rect">
+            <a:avLst/>
+          </a:prstGeom>
+          <a:noFill/>
+          <a:ln w="12700">
+            <a:solidFill>
+              <a:schemeClr val="accent2"/>
+            </a:solidFill>
+          </a:ln>
+        </p:spPr>
+        <p:style>
+          <a:lnRef idx="2">
+            <a:schemeClr val="accent1">
+              <a:shade val="50000"/>
+            </a:schemeClr>
+          </a:lnRef>
+          <a:fillRef idx="1">
+            <a:schemeClr val="accent1"/>
+          </a:fillRef>
+          <a:effectRef idx="0">
+            <a:schemeClr val="accent1"/>
+          </a:effectRef>
+          <a:fontRef idx="minor">
+            <a:schemeClr val="lt1"/>
+          </a:fontRef>
+        </p:style>
+        <p:txBody>
+          <a:bodyPr rtlCol="0" anchor="ctr"/>
+          <a:lstStyle/>
+          <a:p>
+            <a:pPr algn="ctr"/>
+            <a:endParaRPr lang="en-US" dirty="0"/>
+          </a:p>
+        </p:txBody>
+      </p:sp>
+      <p:cxnSp>
+        <p:nvCxnSpPr>
+          <p:cNvPr id="16" name="Straight Connector 15">
+            <a:extLst>
+              <a:ext uri="{FF2B5EF4-FFF2-40B4-BE49-F238E27FC236}">
+                <a16:creationId xmlns:a16="http://schemas.microsoft.com/office/drawing/2014/main" id="{07A9243D-8FC3-4B36-874B-55906B03F484}"/>
+              </a:ext>
+              <a:ext uri="{C183D7F6-B498-43B3-948B-1728B52AA6E4}">
+                <adec:decorative xmlns:adec="http://schemas.microsoft.com/office/drawing/2017/decorative" val="1"/>
+              </a:ext>
+            </a:extLst>
+          </p:cNvPr>
+          <p:cNvCxnSpPr>
+            <a:cxnSpLocks noGrp="1" noRot="1" noChangeAspect="1" noMove="1" noResize="1" noEditPoints="1" noAdjustHandles="1" noChangeArrowheads="1" noChangeShapeType="1"/>
+          </p:cNvCxnSpPr>
+          <p:nvPr>
+            <p:extLst>
+              <p:ext uri="{386F3935-93C4-4BCD-93E2-E3B085C9AB24}">
+                <p16:designElem xmlns:p16="http://schemas.microsoft.com/office/powerpoint/2015/main" val="1"/>
+              </p:ext>
+            </p:extLst>
+          </p:nvPr>
+        </p:nvCxnSpPr>
+        <p:spPr>
+          <a:xfrm flipH="1">
+            <a:off x="1929284" y="3209925"/>
+            <a:ext cx="10262717" cy="0"/>
+          </a:xfrm>
+          <a:prstGeom prst="line">
+            <a:avLst/>
+          </a:prstGeom>
+          <a:ln w="12700">
+            <a:solidFill>
+              <a:schemeClr val="accent2"/>
+            </a:solidFill>
+          </a:ln>
+        </p:spPr>
+        <p:style>
+          <a:lnRef idx="1">
+            <a:schemeClr val="accent1"/>
+          </a:lnRef>
+          <a:fillRef idx="0">
+            <a:schemeClr val="accent1"/>
+          </a:fillRef>
+          <a:effectRef idx="0">
+            <a:schemeClr val="accent1"/>
+          </a:effectRef>
+          <a:fontRef idx="minor">
+            <a:schemeClr val="tx1"/>
+          </a:fontRef>
+        </p:style>
+      </p:cxnSp>
     </p:spTree>
     <p:extLst>
       <p:ext uri="{BB962C8B-B14F-4D97-AF65-F5344CB8AC3E}">
-        <p14:creationId xmlns:p14="http://schemas.microsoft.com/office/powerpoint/2010/main" val="2731600129"/>
+        <p14:creationId xmlns:p14="http://schemas.microsoft.com/office/powerpoint/2010/main" val="4092803130"/>
       </p:ext>
     </p:extLst>
   </p:cSld>
   <p:clrMapOvr>
-    <a:overrideClrMapping bg1="dk1" tx1="lt1" bg2="dk2" tx2="lt2" accent1="accent1" accent2="accent2" accent3="accent3" accent4="accent4" accent5="accent5" accent6="accent6" hlink="hlink" folHlink="folHlink"/>
+    <a:masterClrMapping/>
   </p:clrMapOvr>
 </p:sld>
 </file>
